--- a/4. A kereszténység főbb tanításai.pptx
+++ b/4. A kereszténység főbb tanításai.pptx
@@ -3628,7 +3628,12 @@
             <p:ph type="title"/>
           </p:nvPr>
         </p:nvSpPr>
-        <p:spPr/>
+        <p:spPr>
+          <a:xfrm>
+            <a:off x="4019940" y="365125"/>
+            <a:ext cx="7693404" cy="1325563"/>
+          </a:xfrm>
+        </p:spPr>
         <p:txBody>
           <a:bodyPr/>
           <a:lstStyle/>
@@ -3664,7 +3669,7 @@
         </p:nvSpPr>
         <p:spPr>
           <a:xfrm>
-            <a:off x="838201" y="1825625"/>
+            <a:off x="4019941" y="1825625"/>
             <a:ext cx="7693404" cy="4351338"/>
           </a:xfrm>
         </p:spPr>
@@ -3711,10 +3716,10 @@
       </p:sp>
       <p:pic>
         <p:nvPicPr>
-          <p:cNvPr id="2050" name="Picture 2" descr="Jesus - Wikipedia">
-            <a:extLst>
-              <a:ext uri="{FF2B5EF4-FFF2-40B4-BE49-F238E27FC236}">
-                <a16:creationId xmlns:a16="http://schemas.microsoft.com/office/drawing/2014/main" id="{07DC24B2-F0C1-4B79-A71A-1FDA393D49F7}"/>
+          <p:cNvPr id="6" name="Picture 2" descr="Jesus - Wikipedia">
+            <a:extLst>
+              <a:ext uri="{FF2B5EF4-FFF2-40B4-BE49-F238E27FC236}">
+                <a16:creationId xmlns:a16="http://schemas.microsoft.com/office/drawing/2014/main" id="{8E55518B-42EE-7868-8312-2A32341C6C34}"/>
               </a:ext>
             </a:extLst>
           </p:cNvPr>
@@ -3723,7 +3728,7 @@
           </p:cNvPicPr>
           <p:nvPr/>
         </p:nvPicPr>
-        <p:blipFill>
+        <p:blipFill rotWithShape="1">
           <a:blip r:embed="rId2">
             <a:extLst>
               <a:ext uri="{28A0092B-C50C-407E-A947-70E740481C1C}">
@@ -3731,21 +3736,886 @@
               </a:ext>
             </a:extLst>
           </a:blip>
-          <a:srcRect/>
-          <a:stretch>
-            <a:fillRect/>
-          </a:stretch>
+          <a:srcRect l="3636" t="1734" r="2800" b="3495"/>
+          <a:stretch/>
         </p:blipFill>
         <p:spPr bwMode="auto">
           <a:xfrm>
-            <a:off x="9413199" y="1606798"/>
-            <a:ext cx="1801221" cy="3359791"/>
+            <a:off x="20" y="10"/>
+            <a:ext cx="3754739" cy="6857990"/>
           </a:xfrm>
-          <a:prstGeom prst="roundRect">
-            <a:avLst>
-              <a:gd name="adj" fmla="val 6421"/>
-            </a:avLst>
-          </a:prstGeom>
+          <a:custGeom>
+            <a:avLst/>
+            <a:gdLst/>
+            <a:ahLst/>
+            <a:cxnLst/>
+            <a:rect l="l" t="t" r="r" b="b"/>
+            <a:pathLst>
+              <a:path w="3754759" h="6858000">
+                <a:moveTo>
+                  <a:pt x="0" y="0"/>
+                </a:moveTo>
+                <a:lnTo>
+                  <a:pt x="3405358" y="0"/>
+                </a:lnTo>
+                <a:lnTo>
+                  <a:pt x="3406298" y="5103"/>
+                </a:lnTo>
+                <a:cubicBezTo>
+                  <a:pt x="3408705" y="9272"/>
+                  <a:pt x="3410993" y="13534"/>
+                  <a:pt x="3408744" y="22806"/>
+                </a:cubicBezTo>
+                <a:cubicBezTo>
+                  <a:pt x="3398212" y="18869"/>
+                  <a:pt x="3412504" y="58782"/>
+                  <a:pt x="3403554" y="60481"/>
+                </a:cubicBezTo>
+                <a:cubicBezTo>
+                  <a:pt x="3417198" y="75379"/>
+                  <a:pt x="3401704" y="83956"/>
+                  <a:pt x="3406685" y="104437"/>
+                </a:cubicBezTo>
+                <a:cubicBezTo>
+                  <a:pt x="3412035" y="113935"/>
+                  <a:pt x="3413215" y="120918"/>
+                  <a:pt x="3408439" y="130745"/>
+                </a:cubicBezTo>
+                <a:cubicBezTo>
+                  <a:pt x="3434362" y="174436"/>
+                  <a:pt x="3410826" y="157826"/>
+                  <a:pt x="3422002" y="199353"/>
+                </a:cubicBezTo>
+                <a:cubicBezTo>
+                  <a:pt x="3433366" y="235046"/>
+                  <a:pt x="3441595" y="275734"/>
+                  <a:pt x="3466217" y="309590"/>
+                </a:cubicBezTo>
+                <a:cubicBezTo>
+                  <a:pt x="3473022" y="315692"/>
+                  <a:pt x="3476249" y="331335"/>
+                  <a:pt x="3473425" y="344525"/>
+                </a:cubicBezTo>
+                <a:cubicBezTo>
+                  <a:pt x="3472938" y="346792"/>
+                  <a:pt x="3472286" y="348904"/>
+                  <a:pt x="3471491" y="350788"/>
+                </a:cubicBezTo>
+                <a:cubicBezTo>
+                  <a:pt x="3476473" y="380853"/>
+                  <a:pt x="3497528" y="490678"/>
+                  <a:pt x="3503314" y="524915"/>
+                </a:cubicBezTo>
+                <a:cubicBezTo>
+                  <a:pt x="3495110" y="528110"/>
+                  <a:pt x="3511009" y="544789"/>
+                  <a:pt x="3506208" y="556205"/>
+                </a:cubicBezTo>
+                <a:cubicBezTo>
+                  <a:pt x="3501906" y="564424"/>
+                  <a:pt x="3505727" y="571402"/>
+                  <a:pt x="3506503" y="579730"/>
+                </a:cubicBezTo>
+                <a:cubicBezTo>
+                  <a:pt x="3503352" y="590904"/>
+                  <a:pt x="3511763" y="626437"/>
+                  <a:pt x="3516997" y="635552"/>
+                </a:cubicBezTo>
+                <a:cubicBezTo>
+                  <a:pt x="3534688" y="657082"/>
+                  <a:pt x="3524838" y="708447"/>
+                  <a:pt x="3538464" y="726388"/>
+                </a:cubicBezTo>
+                <a:cubicBezTo>
+                  <a:pt x="3540659" y="733032"/>
+                  <a:pt x="3541735" y="739585"/>
+                  <a:pt x="3542115" y="746049"/>
+                </a:cubicBezTo>
+                <a:lnTo>
+                  <a:pt x="3541598" y="764218"/>
+                </a:lnTo>
+                <a:lnTo>
+                  <a:pt x="3538294" y="769538"/>
+                </a:lnTo>
+                <a:lnTo>
+                  <a:pt x="3539714" y="780556"/>
+                </a:lnTo>
+                <a:lnTo>
+                  <a:pt x="3539328" y="783752"/>
+                </a:lnTo>
+                <a:cubicBezTo>
+                  <a:pt x="3538575" y="789859"/>
+                  <a:pt x="3537953" y="795880"/>
+                  <a:pt x="3537882" y="801812"/>
+                </a:cubicBezTo>
+                <a:cubicBezTo>
+                  <a:pt x="3555332" y="793164"/>
+                  <a:pt x="3540143" y="850853"/>
+                  <a:pt x="3553763" y="833773"/>
+                </a:cubicBezTo>
+                <a:cubicBezTo>
+                  <a:pt x="3556400" y="864868"/>
+                  <a:pt x="3568671" y="840452"/>
+                  <a:pt x="3557696" y="878520"/>
+                </a:cubicBezTo>
+                <a:cubicBezTo>
+                  <a:pt x="3574636" y="926170"/>
+                  <a:pt x="3572932" y="1002669"/>
+                  <a:pt x="3596902" y="1039468"/>
+                </a:cubicBezTo>
+                <a:cubicBezTo>
+                  <a:pt x="3588227" y="1035176"/>
+                  <a:pt x="3582669" y="1055878"/>
+                  <a:pt x="3587550" y="1069793"/>
+                </a:cubicBezTo>
+                <a:cubicBezTo>
+                  <a:pt x="3553603" y="1054905"/>
+                  <a:pt x="3620138" y="1124159"/>
+                  <a:pt x="3598129" y="1137690"/>
+                </a:cubicBezTo>
+                <a:cubicBezTo>
+                  <a:pt x="3619154" y="1137277"/>
+                  <a:pt x="3657845" y="1198819"/>
+                  <a:pt x="3642072" y="1229443"/>
+                </a:cubicBezTo>
+                <a:cubicBezTo>
+                  <a:pt x="3648492" y="1274612"/>
+                  <a:pt x="3667414" y="1305895"/>
+                  <a:pt x="3662799" y="1353804"/>
+                </a:cubicBezTo>
+                <a:cubicBezTo>
+                  <a:pt x="3665680" y="1355144"/>
+                  <a:pt x="3668149" y="1357448"/>
+                  <a:pt x="3670319" y="1360420"/>
+                </a:cubicBezTo>
+                <a:lnTo>
+                  <a:pt x="3675717" y="1370453"/>
+                </a:lnTo>
+                <a:lnTo>
+                  <a:pt x="3675458" y="1372456"/>
+                </a:lnTo>
+                <a:cubicBezTo>
+                  <a:pt x="3675775" y="1380261"/>
+                  <a:pt x="3677154" y="1384198"/>
+                  <a:pt x="3678998" y="1386422"/>
+                </a:cubicBezTo>
+                <a:lnTo>
+                  <a:pt x="3681613" y="1387932"/>
+                </a:lnTo>
+                <a:lnTo>
+                  <a:pt x="3684619" y="1397028"/>
+                </a:lnTo>
+                <a:lnTo>
+                  <a:pt x="3692094" y="1413643"/>
+                </a:lnTo>
+                <a:lnTo>
+                  <a:pt x="3692036" y="1417975"/>
+                </a:lnTo>
+                <a:lnTo>
+                  <a:pt x="3701043" y="1444940"/>
+                </a:lnTo>
+                <a:lnTo>
+                  <a:pt x="3700474" y="1445893"/>
+                </a:lnTo>
+                <a:cubicBezTo>
+                  <a:pt x="3699407" y="1448641"/>
+                  <a:pt x="3699006" y="1451835"/>
+                  <a:pt x="3699990" y="1456030"/>
+                </a:cubicBezTo>
+                <a:cubicBezTo>
+                  <a:pt x="3688343" y="1458099"/>
+                  <a:pt x="3696713" y="1461887"/>
+                  <a:pt x="3700642" y="1474079"/>
+                </a:cubicBezTo>
+                <a:cubicBezTo>
+                  <a:pt x="3683431" y="1480016"/>
+                  <a:pt x="3700716" y="1509516"/>
+                  <a:pt x="3693587" y="1522890"/>
+                </a:cubicBezTo>
+                <a:cubicBezTo>
+                  <a:pt x="3696861" y="1531716"/>
+                  <a:pt x="3700010" y="1541157"/>
+                  <a:pt x="3702900" y="1551068"/>
+                </a:cubicBezTo>
+                <a:lnTo>
+                  <a:pt x="3708038" y="1631578"/>
+                </a:lnTo>
+                <a:lnTo>
+                  <a:pt x="3698097" y="1716642"/>
+                </a:lnTo>
+                <a:cubicBezTo>
+                  <a:pt x="3699314" y="1747867"/>
+                  <a:pt x="3695412" y="1775147"/>
+                  <a:pt x="3700384" y="1801382"/>
+                </a:cubicBezTo>
+                <a:cubicBezTo>
+                  <a:pt x="3696845" y="1812311"/>
+                  <a:pt x="3695699" y="1822504"/>
+                  <a:pt x="3702257" y="1832013"/>
+                </a:cubicBezTo>
+                <a:cubicBezTo>
+                  <a:pt x="3701651" y="1861238"/>
+                  <a:pt x="3693313" y="1868713"/>
+                  <a:pt x="3700986" y="1886838"/>
+                </a:cubicBezTo>
+                <a:cubicBezTo>
+                  <a:pt x="3687741" y="1903887"/>
+                  <a:pt x="3693148" y="1904594"/>
+                  <a:pt x="3697545" y="1912087"/>
+                </a:cubicBezTo>
+                <a:lnTo>
+                  <a:pt x="3697885" y="1913171"/>
+                </a:lnTo>
+                <a:lnTo>
+                  <a:pt x="3695987" y="1915505"/>
+                </a:lnTo>
+                <a:lnTo>
+                  <a:pt x="3695284" y="1920179"/>
+                </a:lnTo>
+                <a:lnTo>
+                  <a:pt x="3696499" y="1932787"/>
+                </a:lnTo>
+                <a:lnTo>
+                  <a:pt x="3697473" y="1937503"/>
+                </a:lnTo>
+                <a:cubicBezTo>
+                  <a:pt x="3697953" y="1940760"/>
+                  <a:pt x="3698023" y="1942937"/>
+                  <a:pt x="3697799" y="1944457"/>
+                </a:cubicBezTo>
+                <a:lnTo>
+                  <a:pt x="3697642" y="1944638"/>
+                </a:lnTo>
+                <a:lnTo>
+                  <a:pt x="3698268" y="1951136"/>
+                </a:lnTo>
+                <a:cubicBezTo>
+                  <a:pt x="3699704" y="1962083"/>
+                  <a:pt x="3701457" y="1972719"/>
+                  <a:pt x="3703418" y="1982828"/>
+                </a:cubicBezTo>
+                <a:cubicBezTo>
+                  <a:pt x="3694620" y="1991887"/>
+                  <a:pt x="3707345" y="2028973"/>
+                  <a:pt x="3689767" y="2025705"/>
+                </a:cubicBezTo>
+                <a:cubicBezTo>
+                  <a:pt x="3691896" y="2039367"/>
+                  <a:pt x="3699517" y="2047321"/>
+                  <a:pt x="3687894" y="2043252"/>
+                </a:cubicBezTo>
+                <a:cubicBezTo>
+                  <a:pt x="3688268" y="2047766"/>
+                  <a:pt x="3687435" y="2050599"/>
+                  <a:pt x="3686015" y="2052668"/>
+                </a:cubicBezTo>
+                <a:lnTo>
+                  <a:pt x="3685329" y="2053280"/>
+                </a:lnTo>
+                <a:lnTo>
+                  <a:pt x="3690348" y="2083660"/>
+                </a:lnTo>
+                <a:lnTo>
+                  <a:pt x="3689688" y="2087758"/>
+                </a:lnTo>
+                <a:lnTo>
+                  <a:pt x="3694656" y="2107476"/>
+                </a:lnTo>
+                <a:lnTo>
+                  <a:pt x="3696317" y="2117709"/>
+                </a:lnTo>
+                <a:lnTo>
+                  <a:pt x="3698652" y="2120508"/>
+                </a:lnTo>
+                <a:cubicBezTo>
+                  <a:pt x="3700138" y="2123582"/>
+                  <a:pt x="3700933" y="2128051"/>
+                  <a:pt x="3700157" y="2135655"/>
+                </a:cubicBezTo>
+                <a:lnTo>
+                  <a:pt x="3699626" y="2137431"/>
+                </a:lnTo>
+                <a:lnTo>
+                  <a:pt x="3703486" y="2149795"/>
+                </a:lnTo>
+                <a:cubicBezTo>
+                  <a:pt x="3705184" y="2153754"/>
+                  <a:pt x="3707268" y="2157232"/>
+                  <a:pt x="3709885" y="2160002"/>
+                </a:cubicBezTo>
+                <a:cubicBezTo>
+                  <a:pt x="3698737" y="2203287"/>
+                  <a:pt x="3712805" y="2242927"/>
+                  <a:pt x="3712777" y="2289319"/>
+                </a:cubicBezTo>
+                <a:cubicBezTo>
+                  <a:pt x="3693169" y="2310331"/>
+                  <a:pt x="3722276" y="2389074"/>
+                  <a:pt x="3742794" y="2399589"/>
+                </a:cubicBezTo>
+                <a:cubicBezTo>
+                  <a:pt x="3725319" y="2400703"/>
+                  <a:pt x="3751962" y="2457534"/>
+                  <a:pt x="3753311" y="2472464"/>
+                </a:cubicBezTo>
+                <a:cubicBezTo>
+                  <a:pt x="3753760" y="2477441"/>
+                  <a:pt x="3751399" y="2477762"/>
+                  <a:pt x="3743656" y="2469811"/>
+                </a:cubicBezTo>
+                <a:cubicBezTo>
+                  <a:pt x="3746474" y="2485608"/>
+                  <a:pt x="3738186" y="2502460"/>
+                  <a:pt x="3730339" y="2493869"/>
+                </a:cubicBezTo>
+                <a:cubicBezTo>
+                  <a:pt x="3748556" y="2541387"/>
+                  <a:pt x="3736267" y="2613433"/>
+                  <a:pt x="3746134" y="2667651"/>
+                </a:cubicBezTo>
+                <a:cubicBezTo>
+                  <a:pt x="3730160" y="2698252"/>
+                  <a:pt x="3745496" y="2681337"/>
+                  <a:pt x="3743743" y="2712354"/>
+                </a:cubicBezTo>
+                <a:cubicBezTo>
+                  <a:pt x="3759373" y="2703131"/>
+                  <a:pt x="3736572" y="2750256"/>
+                  <a:pt x="3754759" y="2751060"/>
+                </a:cubicBezTo>
+                <a:cubicBezTo>
+                  <a:pt x="3753864" y="2756679"/>
+                  <a:pt x="3752424" y="2762098"/>
+                  <a:pt x="3750841" y="2767527"/>
+                </a:cubicBezTo>
+                <a:lnTo>
+                  <a:pt x="3750021" y="2770377"/>
+                </a:lnTo>
+                <a:lnTo>
+                  <a:pt x="3749874" y="2781617"/>
+                </a:lnTo>
+                <a:lnTo>
+                  <a:pt x="3745916" y="2784975"/>
+                </a:lnTo>
+                <a:lnTo>
+                  <a:pt x="3742888" y="2802030"/>
+                </a:lnTo>
+                <a:cubicBezTo>
+                  <a:pt x="3742360" y="2808388"/>
+                  <a:pt x="3742498" y="2815196"/>
+                  <a:pt x="3743710" y="2822667"/>
+                </a:cubicBezTo>
+                <a:cubicBezTo>
+                  <a:pt x="3751787" y="2840797"/>
+                  <a:pt x="3744398" y="2870002"/>
+                  <a:pt x="3746201" y="2896003"/>
+                </a:cubicBezTo>
+                <a:lnTo>
+                  <a:pt x="3749006" y="2907846"/>
+                </a:lnTo>
+                <a:lnTo>
+                  <a:pt x="3747206" y="2947037"/>
+                </a:lnTo>
+                <a:cubicBezTo>
+                  <a:pt x="3747030" y="2958176"/>
+                  <a:pt x="3747214" y="2969719"/>
+                  <a:pt x="3748070" y="2981841"/>
+                </a:cubicBezTo>
+                <a:lnTo>
+                  <a:pt x="3750937" y="3004278"/>
+                </a:lnTo>
+                <a:lnTo>
+                  <a:pt x="3749761" y="3010254"/>
+                </a:lnTo>
+                <a:cubicBezTo>
+                  <a:pt x="3750425" y="3020530"/>
+                  <a:pt x="3756245" y="3033889"/>
+                  <a:pt x="3749923" y="3032983"/>
+                </a:cubicBezTo>
+                <a:lnTo>
+                  <a:pt x="3752658" y="3044429"/>
+                </a:lnTo>
+                <a:lnTo>
+                  <a:pt x="3748217" y="3056076"/>
+                </a:lnTo>
+                <a:cubicBezTo>
+                  <a:pt x="3747117" y="3057381"/>
+                  <a:pt x="3745928" y="3058381"/>
+                  <a:pt x="3744691" y="3059042"/>
+                </a:cubicBezTo>
+                <a:lnTo>
+                  <a:pt x="3747123" y="3075102"/>
+                </a:lnTo>
+                <a:lnTo>
+                  <a:pt x="3744190" y="3088509"/>
+                </a:lnTo>
+                <a:lnTo>
+                  <a:pt x="3747093" y="3099930"/>
+                </a:lnTo>
+                <a:lnTo>
+                  <a:pt x="3746799" y="3104743"/>
+                </a:lnTo>
+                <a:lnTo>
+                  <a:pt x="3745610" y="3116729"/>
+                </a:lnTo>
+                <a:cubicBezTo>
+                  <a:pt x="3744666" y="3122891"/>
+                  <a:pt x="3743503" y="3129792"/>
+                  <a:pt x="3742676" y="3137453"/>
+                </a:cubicBezTo>
+                <a:lnTo>
+                  <a:pt x="3742441" y="3143884"/>
+                </a:lnTo>
+                <a:lnTo>
+                  <a:pt x="3737104" y="3158122"/>
+                </a:lnTo>
+                <a:cubicBezTo>
+                  <a:pt x="3733050" y="3168490"/>
+                  <a:pt x="3730374" y="3176626"/>
+                  <a:pt x="3733275" y="3185367"/>
+                </a:cubicBezTo>
+                <a:cubicBezTo>
+                  <a:pt x="3728135" y="3200760"/>
+                  <a:pt x="3712176" y="3212117"/>
+                  <a:pt x="3717639" y="3233769"/>
+                </a:cubicBezTo>
+                <a:cubicBezTo>
+                  <a:pt x="3709851" y="3227497"/>
+                  <a:pt x="3717920" y="3258095"/>
+                  <a:pt x="3710433" y="3262123"/>
+                </a:cubicBezTo>
+                <a:cubicBezTo>
+                  <a:pt x="3704342" y="3264110"/>
+                  <a:pt x="3705370" y="3273856"/>
+                  <a:pt x="3703458" y="3281408"/>
+                </a:cubicBezTo>
+                <a:cubicBezTo>
+                  <a:pt x="3697412" y="3287020"/>
+                  <a:pt x="3693483" y="3324746"/>
+                  <a:pt x="3695027" y="3337739"/>
+                </a:cubicBezTo>
+                <a:cubicBezTo>
+                  <a:pt x="3703095" y="3374177"/>
+                  <a:pt x="3679154" y="3404974"/>
+                  <a:pt x="3684951" y="3434139"/>
+                </a:cubicBezTo>
+                <a:cubicBezTo>
+                  <a:pt x="3684732" y="3441861"/>
+                  <a:pt x="3683615" y="3448308"/>
+                  <a:pt x="3681946" y="3453928"/>
+                </a:cubicBezTo>
+                <a:lnTo>
+                  <a:pt x="3675939" y="3468021"/>
+                </a:lnTo>
+                <a:cubicBezTo>
+                  <a:pt x="3674480" y="3468264"/>
+                  <a:pt x="3673022" y="3468506"/>
+                  <a:pt x="3671563" y="3468748"/>
+                </a:cubicBezTo>
+                <a:lnTo>
+                  <a:pt x="3669360" y="3479164"/>
+                </a:lnTo>
+                <a:lnTo>
+                  <a:pt x="3668060" y="3481325"/>
+                </a:lnTo>
+                <a:cubicBezTo>
+                  <a:pt x="3665560" y="3485437"/>
+                  <a:pt x="3663197" y="3489622"/>
+                  <a:pt x="3661315" y="3494328"/>
+                </a:cubicBezTo>
+                <a:cubicBezTo>
+                  <a:pt x="3678446" y="3506175"/>
+                  <a:pt x="3648136" y="3536311"/>
+                  <a:pt x="3664679" y="3537226"/>
+                </a:cubicBezTo>
+                <a:cubicBezTo>
+                  <a:pt x="3657322" y="3565147"/>
+                  <a:pt x="3674997" y="3558694"/>
+                  <a:pt x="3654205" y="3577551"/>
+                </a:cubicBezTo>
+                <a:cubicBezTo>
+                  <a:pt x="3653633" y="3634248"/>
+                  <a:pt x="3628736" y="3694092"/>
+                  <a:pt x="3637325" y="3749618"/>
+                </a:cubicBezTo>
+                <a:cubicBezTo>
+                  <a:pt x="3631446" y="3736800"/>
+                  <a:pt x="3620480" y="3747498"/>
+                  <a:pt x="3620258" y="3763981"/>
+                </a:cubicBezTo>
+                <a:cubicBezTo>
+                  <a:pt x="3596667" y="3715365"/>
+                  <a:pt x="3630603" y="3842969"/>
+                  <a:pt x="3608193" y="3830141"/>
+                </a:cubicBezTo>
+                <a:cubicBezTo>
+                  <a:pt x="3625759" y="3852486"/>
+                  <a:pt x="3638965" y="3943841"/>
+                  <a:pt x="3616479" y="3951521"/>
+                </a:cubicBezTo>
+                <a:cubicBezTo>
+                  <a:pt x="3607940" y="3994867"/>
+                  <a:pt x="3614033" y="4040502"/>
+                  <a:pt x="3595498" y="4074157"/>
+                </a:cubicBezTo>
+                <a:cubicBezTo>
+                  <a:pt x="3597477" y="4078342"/>
+                  <a:pt x="3598819" y="4082864"/>
+                  <a:pt x="3599706" y="4087599"/>
+                </a:cubicBezTo>
+                <a:lnTo>
+                  <a:pt x="3601103" y="4101515"/>
+                </a:lnTo>
+                <a:lnTo>
+                  <a:pt x="3600274" y="4102849"/>
+                </a:lnTo>
+                <a:cubicBezTo>
+                  <a:pt x="3598143" y="4109482"/>
+                  <a:pt x="3598077" y="4114144"/>
+                  <a:pt x="3598925" y="4117926"/>
+                </a:cubicBezTo>
+                <a:lnTo>
+                  <a:pt x="3600630" y="4121966"/>
+                </a:lnTo>
+                <a:lnTo>
+                  <a:pt x="3600331" y="4132543"/>
+                </a:lnTo>
+                <a:lnTo>
+                  <a:pt x="3601432" y="4154003"/>
+                </a:lnTo>
+                <a:lnTo>
+                  <a:pt x="3600054" y="4157433"/>
+                </a:lnTo>
+                <a:lnTo>
+                  <a:pt x="3599248" y="4188888"/>
+                </a:lnTo>
+                <a:cubicBezTo>
+                  <a:pt x="3598993" y="4188940"/>
+                  <a:pt x="3598738" y="4188992"/>
+                  <a:pt x="3598484" y="4189044"/>
+                </a:cubicBezTo>
+                <a:cubicBezTo>
+                  <a:pt x="3596754" y="4190111"/>
+                  <a:pt x="3595443" y="4192250"/>
+                  <a:pt x="3594971" y="4196698"/>
+                </a:cubicBezTo>
+                <a:cubicBezTo>
+                  <a:pt x="3584674" y="4185805"/>
+                  <a:pt x="3590455" y="4197885"/>
+                  <a:pt x="3589971" y="4211958"/>
+                </a:cubicBezTo>
+                <a:cubicBezTo>
+                  <a:pt x="3573870" y="4198179"/>
+                  <a:pt x="3579156" y="4240607"/>
+                  <a:pt x="3569135" y="4243705"/>
+                </a:cubicBezTo>
+                <a:cubicBezTo>
+                  <a:pt x="3569142" y="4254351"/>
+                  <a:pt x="3568856" y="4265362"/>
+                  <a:pt x="3568210" y="4276468"/>
+                </a:cubicBezTo>
+                <a:lnTo>
+                  <a:pt x="3567613" y="4282925"/>
+                </a:lnTo>
+                <a:cubicBezTo>
+                  <a:pt x="3567553" y="4282949"/>
+                  <a:pt x="3567492" y="4282974"/>
+                  <a:pt x="3567432" y="4282999"/>
+                </a:cubicBezTo>
+                <a:cubicBezTo>
+                  <a:pt x="3566940" y="4284280"/>
+                  <a:pt x="3566607" y="4286359"/>
+                  <a:pt x="3566464" y="4289697"/>
+                </a:cubicBezTo>
+                <a:lnTo>
+                  <a:pt x="3566526" y="4294698"/>
+                </a:lnTo>
+                <a:lnTo>
+                  <a:pt x="3565367" y="4307225"/>
+                </a:lnTo>
+                <a:lnTo>
+                  <a:pt x="3563841" y="4311164"/>
+                </a:lnTo>
+                <a:lnTo>
+                  <a:pt x="3561610" y="4312189"/>
+                </a:lnTo>
+                <a:lnTo>
+                  <a:pt x="3561734" y="4313408"/>
+                </a:lnTo>
+                <a:cubicBezTo>
+                  <a:pt x="3564537" y="4323096"/>
+                  <a:pt x="3569544" y="4327053"/>
+                  <a:pt x="3553832" y="4334910"/>
+                </a:cubicBezTo>
+                <a:cubicBezTo>
+                  <a:pt x="3557797" y="4356533"/>
+                  <a:pt x="3548502" y="4358433"/>
+                  <a:pt x="3542564" y="4385380"/>
+                </a:cubicBezTo>
+                <a:cubicBezTo>
+                  <a:pt x="3547050" y="4398267"/>
+                  <a:pt x="3544091" y="4407098"/>
+                  <a:pt x="3538724" y="4415150"/>
+                </a:cubicBezTo>
+                <a:cubicBezTo>
+                  <a:pt x="3538633" y="4442707"/>
+                  <a:pt x="3529920" y="4465824"/>
+                  <a:pt x="3525348" y="4495753"/>
+                </a:cubicBezTo>
+                <a:cubicBezTo>
+                  <a:pt x="3529387" y="4530212"/>
+                  <a:pt x="3514579" y="4543935"/>
+                  <a:pt x="3509749" y="4575934"/>
+                </a:cubicBezTo>
+                <a:cubicBezTo>
+                  <a:pt x="3519579" y="4606914"/>
+                  <a:pt x="3496418" y="4596497"/>
+                  <a:pt x="3489779" y="4611927"/>
+                </a:cubicBezTo>
+                <a:lnTo>
+                  <a:pt x="3488856" y="4616508"/>
+                </a:lnTo>
+                <a:lnTo>
+                  <a:pt x="3489486" y="4629163"/>
+                </a:lnTo>
+                <a:lnTo>
+                  <a:pt x="3490242" y="4633947"/>
+                </a:lnTo>
+                <a:cubicBezTo>
+                  <a:pt x="3490570" y="4637233"/>
+                  <a:pt x="3490539" y="4639406"/>
+                  <a:pt x="3490244" y="4640894"/>
+                </a:cubicBezTo>
+                <a:lnTo>
+                  <a:pt x="3490078" y="4641059"/>
+                </a:lnTo>
+                <a:lnTo>
+                  <a:pt x="3490403" y="4647582"/>
+                </a:lnTo>
+                <a:cubicBezTo>
+                  <a:pt x="3491330" y="4658608"/>
+                  <a:pt x="3492590" y="4669354"/>
+                  <a:pt x="3494082" y="4679601"/>
+                </a:cubicBezTo>
+                <a:cubicBezTo>
+                  <a:pt x="3484854" y="4687754"/>
+                  <a:pt x="3495864" y="4725869"/>
+                  <a:pt x="3478421" y="4720918"/>
+                </a:cubicBezTo>
+                <a:cubicBezTo>
+                  <a:pt x="3479918" y="4734712"/>
+                  <a:pt x="3487176" y="4743359"/>
+                  <a:pt x="3475730" y="4738188"/>
+                </a:cubicBezTo>
+                <a:cubicBezTo>
+                  <a:pt x="3475894" y="4742712"/>
+                  <a:pt x="3474928" y="4745450"/>
+                  <a:pt x="3473409" y="4747368"/>
+                </a:cubicBezTo>
+                <a:lnTo>
+                  <a:pt x="3472696" y="4747913"/>
+                </a:lnTo>
+                <a:lnTo>
+                  <a:pt x="3476304" y="4778609"/>
+                </a:lnTo>
+                <a:lnTo>
+                  <a:pt x="3475454" y="4782623"/>
+                </a:lnTo>
+                <a:lnTo>
+                  <a:pt x="3479507" y="4802712"/>
+                </a:lnTo>
+                <a:lnTo>
+                  <a:pt x="3480695" y="4813049"/>
+                </a:lnTo>
+                <a:lnTo>
+                  <a:pt x="3482902" y="4816057"/>
+                </a:lnTo>
+                <a:cubicBezTo>
+                  <a:pt x="3484247" y="4819259"/>
+                  <a:pt x="3484834" y="4823783"/>
+                  <a:pt x="3483703" y="4831270"/>
+                </a:cubicBezTo>
+                <a:lnTo>
+                  <a:pt x="3483090" y="4832984"/>
+                </a:lnTo>
+                <a:lnTo>
+                  <a:pt x="3486378" y="4845654"/>
+                </a:lnTo>
+                <a:cubicBezTo>
+                  <a:pt x="3487893" y="4849755"/>
+                  <a:pt x="3489817" y="4853416"/>
+                  <a:pt x="3492309" y="4856425"/>
+                </a:cubicBezTo>
+                <a:cubicBezTo>
+                  <a:pt x="3479133" y="4898390"/>
+                  <a:pt x="3491371" y="4939174"/>
+                  <a:pt x="3489182" y="4985308"/>
+                </a:cubicBezTo>
+                <a:cubicBezTo>
+                  <a:pt x="3492413" y="5037202"/>
+                  <a:pt x="3496839" y="5073159"/>
+                  <a:pt x="3498182" y="5107346"/>
+                </a:cubicBezTo>
+                <a:cubicBezTo>
+                  <a:pt x="3500266" y="5123329"/>
+                  <a:pt x="3506680" y="5240376"/>
+                  <a:pt x="3499225" y="5231073"/>
+                </a:cubicBezTo>
+                <a:cubicBezTo>
+                  <a:pt x="3515247" y="5280090"/>
+                  <a:pt x="3497607" y="5309911"/>
+                  <a:pt x="3504960" y="5364785"/>
+                </a:cubicBezTo>
+                <a:cubicBezTo>
+                  <a:pt x="3487546" y="5393671"/>
+                  <a:pt x="3503686" y="5378336"/>
+                  <a:pt x="3500486" y="5409009"/>
+                </a:cubicBezTo>
+                <a:cubicBezTo>
+                  <a:pt x="3516561" y="5401350"/>
+                  <a:pt x="3491544" y="5446009"/>
+                  <a:pt x="3509710" y="5448570"/>
+                </a:cubicBezTo>
+                <a:cubicBezTo>
+                  <a:pt x="3508555" y="5454072"/>
+                  <a:pt x="3506859" y="5459319"/>
+                  <a:pt x="3505022" y="5464568"/>
+                </a:cubicBezTo>
+                <a:lnTo>
+                  <a:pt x="3504070" y="5467320"/>
+                </a:lnTo>
+                <a:lnTo>
+                  <a:pt x="3503399" y="5478483"/>
+                </a:lnTo>
+                <a:lnTo>
+                  <a:pt x="3499281" y="5481443"/>
+                </a:lnTo>
+                <a:lnTo>
+                  <a:pt x="3499047" y="5616712"/>
+                </a:lnTo>
+                <a:cubicBezTo>
+                  <a:pt x="3502347" y="5628424"/>
+                  <a:pt x="3503819" y="5666768"/>
+                  <a:pt x="3498775" y="5675291"/>
+                </a:cubicBezTo>
+                <a:cubicBezTo>
+                  <a:pt x="3497984" y="5683547"/>
+                  <a:pt x="3500335" y="5692400"/>
+                  <a:pt x="3494739" y="5697458"/>
+                </a:cubicBezTo>
+                <a:cubicBezTo>
+                  <a:pt x="3492180" y="5715432"/>
+                  <a:pt x="3486290" y="5756597"/>
+                  <a:pt x="3483423" y="5783137"/>
+                </a:cubicBezTo>
+                <a:cubicBezTo>
+                  <a:pt x="3491452" y="5796973"/>
+                  <a:pt x="3477643" y="5819988"/>
+                  <a:pt x="3477532" y="5856699"/>
+                </a:cubicBezTo>
+                <a:cubicBezTo>
+                  <a:pt x="3486776" y="5871818"/>
+                  <a:pt x="3477340" y="5881447"/>
+                  <a:pt x="3490032" y="5910638"/>
+                </a:cubicBezTo>
+                <a:cubicBezTo>
+                  <a:pt x="3488930" y="5911913"/>
+                  <a:pt x="3487924" y="5913488"/>
+                  <a:pt x="3487046" y="5915313"/>
+                </a:cubicBezTo>
+                <a:cubicBezTo>
+                  <a:pt x="3481941" y="5925917"/>
+                  <a:pt x="3482137" y="5942505"/>
+                  <a:pt x="3487484" y="5952365"/>
+                </a:cubicBezTo>
+                <a:cubicBezTo>
+                  <a:pt x="3504666" y="5999029"/>
+                  <a:pt x="3505019" y="6042078"/>
+                  <a:pt x="3509266" y="6082373"/>
+                </a:cubicBezTo>
+                <a:cubicBezTo>
+                  <a:pt x="3512265" y="6128005"/>
+                  <a:pt x="3492950" y="6098121"/>
+                  <a:pt x="3509564" y="6154771"/>
+                </a:cubicBezTo>
+                <a:cubicBezTo>
+                  <a:pt x="3503223" y="6161045"/>
+                  <a:pt x="3503062" y="6168289"/>
+                  <a:pt x="3506404" y="6180433"/>
+                </a:cubicBezTo>
+                <a:cubicBezTo>
+                  <a:pt x="3507378" y="6202614"/>
+                  <a:pt x="3491084" y="6201180"/>
+                  <a:pt x="3501312" y="6223427"/>
+                </a:cubicBezTo>
+                <a:cubicBezTo>
+                  <a:pt x="3492497" y="6219559"/>
+                  <a:pt x="3498753" y="6265580"/>
+                  <a:pt x="3489469" y="6255476"/>
+                </a:cubicBezTo>
+                <a:cubicBezTo>
+                  <a:pt x="3481791" y="6270065"/>
+                  <a:pt x="3495037" y="6276996"/>
+                  <a:pt x="3488398" y="6291462"/>
+                </a:cubicBezTo>
+                <a:cubicBezTo>
+                  <a:pt x="3487099" y="6307679"/>
+                  <a:pt x="3497555" y="6282019"/>
+                  <a:pt x="3498547" y="6299935"/>
+                </a:cubicBezTo>
+                <a:cubicBezTo>
+                  <a:pt x="3498173" y="6321676"/>
+                  <a:pt x="3514193" y="6321381"/>
+                  <a:pt x="3494028" y="6338390"/>
+                </a:cubicBezTo>
+                <a:lnTo>
+                  <a:pt x="3486030" y="6396716"/>
+                </a:lnTo>
+                <a:cubicBezTo>
+                  <a:pt x="3491309" y="6409668"/>
+                  <a:pt x="3488928" y="6420134"/>
+                  <a:pt x="3484103" y="6430386"/>
+                </a:cubicBezTo>
+                <a:cubicBezTo>
+                  <a:pt x="3485763" y="6460632"/>
+                  <a:pt x="3478568" y="6488285"/>
+                  <a:pt x="3475922" y="6522318"/>
+                </a:cubicBezTo>
+                <a:cubicBezTo>
+                  <a:pt x="3482128" y="6559051"/>
+                  <a:pt x="3468277" y="6578006"/>
+                  <a:pt x="3465506" y="6614374"/>
+                </a:cubicBezTo>
+                <a:cubicBezTo>
+                  <a:pt x="3478925" y="6650248"/>
+                  <a:pt x="3446064" y="6638174"/>
+                  <a:pt x="3446789" y="6668768"/>
+                </a:cubicBezTo>
+                <a:cubicBezTo>
+                  <a:pt x="3458869" y="6718505"/>
+                  <a:pt x="3435878" y="6667592"/>
+                  <a:pt x="3439582" y="6744454"/>
+                </a:cubicBezTo>
+                <a:cubicBezTo>
+                  <a:pt x="3441631" y="6748797"/>
+                  <a:pt x="3439393" y="6758101"/>
+                  <a:pt x="3436538" y="6757102"/>
+                </a:cubicBezTo>
+                <a:cubicBezTo>
+                  <a:pt x="3437461" y="6773941"/>
+                  <a:pt x="3420846" y="6822488"/>
+                  <a:pt x="3424061" y="6846522"/>
+                </a:cubicBezTo>
+                <a:lnTo>
+                  <a:pt x="3423032" y="6858000"/>
+                </a:lnTo>
+                <a:lnTo>
+                  <a:pt x="0" y="6858000"/>
+                </a:lnTo>
+                <a:close/>
+              </a:path>
+            </a:pathLst>
+          </a:custGeom>
           <a:noFill/>
           <a:extLst>
             <a:ext uri="{909E8E84-426E-40DD-AFC4-6F175D3DCCD1}">
@@ -3758,42 +4628,6 @@
           </a:extLst>
         </p:spPr>
       </p:pic>
-      <p:sp>
-        <p:nvSpPr>
-          <p:cNvPr id="5" name="Szövegdoboz 4">
-            <a:extLst>
-              <a:ext uri="{FF2B5EF4-FFF2-40B4-BE49-F238E27FC236}">
-                <a16:creationId xmlns:a16="http://schemas.microsoft.com/office/drawing/2014/main" id="{0DCF499C-3EE3-4E7E-BE29-805B00428DBE}"/>
-              </a:ext>
-            </a:extLst>
-          </p:cNvPr>
-          <p:cNvSpPr txBox="1"/>
-          <p:nvPr/>
-        </p:nvSpPr>
-        <p:spPr>
-          <a:xfrm>
-            <a:off x="9981731" y="4966589"/>
-            <a:ext cx="664156" cy="369332"/>
-          </a:xfrm>
-          <a:prstGeom prst="rect">
-            <a:avLst/>
-          </a:prstGeom>
-          <a:noFill/>
-        </p:spPr>
-        <p:txBody>
-          <a:bodyPr wrap="none" rtlCol="0">
-            <a:spAutoFit/>
-          </a:bodyPr>
-          <a:lstStyle/>
-          <a:p>
-            <a:pPr algn="ctr"/>
-            <a:r>
-              <a:rPr lang="hu-HU" i="1" dirty="0"/>
-              <a:t>Jézus</a:t>
-            </a:r>
-          </a:p>
-        </p:txBody>
-      </p:sp>
     </p:spTree>
     <p:extLst>
       <p:ext uri="{BB962C8B-B14F-4D97-AF65-F5344CB8AC3E}">
